--- a/paper/images/overview.pptx
+++ b/paper/images/overview.pptx
@@ -134,7 +134,7 @@
           <p:cNvPr id="2" name="Title 1">
             <a:extLst>
               <a:ext uri="{FF2B5EF4-FFF2-40B4-BE49-F238E27FC236}">
-                <a16:creationId xmlns="" xmlns:a16="http://schemas.microsoft.com/office/drawing/2014/main" id="{A3FD0D67-EFCB-4FC7-B3A9-6D227F20A4C3}"/>
+                <a16:creationId xmlns:a16="http://schemas.microsoft.com/office/drawing/2014/main" xmlns="" id="{A3FD0D67-EFCB-4FC7-B3A9-6D227F20A4C3}"/>
               </a:ext>
             </a:extLst>
           </p:cNvPr>
@@ -171,7 +171,7 @@
           <p:cNvPr id="3" name="Subtitle 2">
             <a:extLst>
               <a:ext uri="{FF2B5EF4-FFF2-40B4-BE49-F238E27FC236}">
-                <a16:creationId xmlns="" xmlns:a16="http://schemas.microsoft.com/office/drawing/2014/main" id="{629EC3F4-9875-481E-92E8-7BFFD34155E1}"/>
+                <a16:creationId xmlns:a16="http://schemas.microsoft.com/office/drawing/2014/main" xmlns="" id="{629EC3F4-9875-481E-92E8-7BFFD34155E1}"/>
               </a:ext>
             </a:extLst>
           </p:cNvPr>
@@ -241,7 +241,7 @@
           <p:cNvPr id="4" name="Date Placeholder 3">
             <a:extLst>
               <a:ext uri="{FF2B5EF4-FFF2-40B4-BE49-F238E27FC236}">
-                <a16:creationId xmlns="" xmlns:a16="http://schemas.microsoft.com/office/drawing/2014/main" id="{C1604D3C-894E-4DB6-9221-5DD407B014F7}"/>
+                <a16:creationId xmlns:a16="http://schemas.microsoft.com/office/drawing/2014/main" xmlns="" id="{C1604D3C-894E-4DB6-9221-5DD407B014F7}"/>
               </a:ext>
             </a:extLst>
           </p:cNvPr>
@@ -270,7 +270,7 @@
           <p:cNvPr id="5" name="Footer Placeholder 4">
             <a:extLst>
               <a:ext uri="{FF2B5EF4-FFF2-40B4-BE49-F238E27FC236}">
-                <a16:creationId xmlns="" xmlns:a16="http://schemas.microsoft.com/office/drawing/2014/main" id="{778062EA-E77A-4840-BE4E-ED1C9AE261D0}"/>
+                <a16:creationId xmlns:a16="http://schemas.microsoft.com/office/drawing/2014/main" xmlns="" id="{778062EA-E77A-4840-BE4E-ED1C9AE261D0}"/>
               </a:ext>
             </a:extLst>
           </p:cNvPr>
@@ -295,7 +295,7 @@
           <p:cNvPr id="6" name="Slide Number Placeholder 5">
             <a:extLst>
               <a:ext uri="{FF2B5EF4-FFF2-40B4-BE49-F238E27FC236}">
-                <a16:creationId xmlns="" xmlns:a16="http://schemas.microsoft.com/office/drawing/2014/main" id="{D1119A8F-DA53-4DC1-ADC0-6DD946E754AC}"/>
+                <a16:creationId xmlns:a16="http://schemas.microsoft.com/office/drawing/2014/main" xmlns="" id="{D1119A8F-DA53-4DC1-ADC0-6DD946E754AC}"/>
               </a:ext>
             </a:extLst>
           </p:cNvPr>
@@ -354,7 +354,7 @@
           <p:cNvPr id="2" name="Title 1">
             <a:extLst>
               <a:ext uri="{FF2B5EF4-FFF2-40B4-BE49-F238E27FC236}">
-                <a16:creationId xmlns="" xmlns:a16="http://schemas.microsoft.com/office/drawing/2014/main" id="{954F453C-452A-4300-8E8B-3E143699D3C3}"/>
+                <a16:creationId xmlns:a16="http://schemas.microsoft.com/office/drawing/2014/main" xmlns="" id="{954F453C-452A-4300-8E8B-3E143699D3C3}"/>
               </a:ext>
             </a:extLst>
           </p:cNvPr>
@@ -382,7 +382,7 @@
           <p:cNvPr id="3" name="Vertical Text Placeholder 2">
             <a:extLst>
               <a:ext uri="{FF2B5EF4-FFF2-40B4-BE49-F238E27FC236}">
-                <a16:creationId xmlns="" xmlns:a16="http://schemas.microsoft.com/office/drawing/2014/main" id="{110BDD35-AA88-4951-B287-9D18E4AABB87}"/>
+                <a16:creationId xmlns:a16="http://schemas.microsoft.com/office/drawing/2014/main" xmlns="" id="{110BDD35-AA88-4951-B287-9D18E4AABB87}"/>
               </a:ext>
             </a:extLst>
           </p:cNvPr>
@@ -439,7 +439,7 @@
           <p:cNvPr id="4" name="Date Placeholder 3">
             <a:extLst>
               <a:ext uri="{FF2B5EF4-FFF2-40B4-BE49-F238E27FC236}">
-                <a16:creationId xmlns="" xmlns:a16="http://schemas.microsoft.com/office/drawing/2014/main" id="{2C864163-842C-4A66-93F1-AB9A042E3E88}"/>
+                <a16:creationId xmlns:a16="http://schemas.microsoft.com/office/drawing/2014/main" xmlns="" id="{2C864163-842C-4A66-93F1-AB9A042E3E88}"/>
               </a:ext>
             </a:extLst>
           </p:cNvPr>
@@ -468,7 +468,7 @@
           <p:cNvPr id="5" name="Footer Placeholder 4">
             <a:extLst>
               <a:ext uri="{FF2B5EF4-FFF2-40B4-BE49-F238E27FC236}">
-                <a16:creationId xmlns="" xmlns:a16="http://schemas.microsoft.com/office/drawing/2014/main" id="{C5C22E3A-D6D5-49E1-8F3F-86157933CB52}"/>
+                <a16:creationId xmlns:a16="http://schemas.microsoft.com/office/drawing/2014/main" xmlns="" id="{C5C22E3A-D6D5-49E1-8F3F-86157933CB52}"/>
               </a:ext>
             </a:extLst>
           </p:cNvPr>
@@ -493,7 +493,7 @@
           <p:cNvPr id="6" name="Slide Number Placeholder 5">
             <a:extLst>
               <a:ext uri="{FF2B5EF4-FFF2-40B4-BE49-F238E27FC236}">
-                <a16:creationId xmlns="" xmlns:a16="http://schemas.microsoft.com/office/drawing/2014/main" id="{7A5C82FF-5E13-42E7-A89A-89FA862E7136}"/>
+                <a16:creationId xmlns:a16="http://schemas.microsoft.com/office/drawing/2014/main" xmlns="" id="{7A5C82FF-5E13-42E7-A89A-89FA862E7136}"/>
               </a:ext>
             </a:extLst>
           </p:cNvPr>
@@ -552,7 +552,7 @@
           <p:cNvPr id="2" name="Vertical Title 1">
             <a:extLst>
               <a:ext uri="{FF2B5EF4-FFF2-40B4-BE49-F238E27FC236}">
-                <a16:creationId xmlns="" xmlns:a16="http://schemas.microsoft.com/office/drawing/2014/main" id="{B028CD9D-49D8-4CE7-A028-F21D3C392F09}"/>
+                <a16:creationId xmlns:a16="http://schemas.microsoft.com/office/drawing/2014/main" xmlns="" id="{B028CD9D-49D8-4CE7-A028-F21D3C392F09}"/>
               </a:ext>
             </a:extLst>
           </p:cNvPr>
@@ -585,7 +585,7 @@
           <p:cNvPr id="3" name="Vertical Text Placeholder 2">
             <a:extLst>
               <a:ext uri="{FF2B5EF4-FFF2-40B4-BE49-F238E27FC236}">
-                <a16:creationId xmlns="" xmlns:a16="http://schemas.microsoft.com/office/drawing/2014/main" id="{D5A8A188-8F8E-4127-8221-27B11954C8A9}"/>
+                <a16:creationId xmlns:a16="http://schemas.microsoft.com/office/drawing/2014/main" xmlns="" id="{D5A8A188-8F8E-4127-8221-27B11954C8A9}"/>
               </a:ext>
             </a:extLst>
           </p:cNvPr>
@@ -647,7 +647,7 @@
           <p:cNvPr id="4" name="Date Placeholder 3">
             <a:extLst>
               <a:ext uri="{FF2B5EF4-FFF2-40B4-BE49-F238E27FC236}">
-                <a16:creationId xmlns="" xmlns:a16="http://schemas.microsoft.com/office/drawing/2014/main" id="{BE88BC6D-DD0E-41C9-AEEA-4DDB7D6A5263}"/>
+                <a16:creationId xmlns:a16="http://schemas.microsoft.com/office/drawing/2014/main" xmlns="" id="{BE88BC6D-DD0E-41C9-AEEA-4DDB7D6A5263}"/>
               </a:ext>
             </a:extLst>
           </p:cNvPr>
@@ -676,7 +676,7 @@
           <p:cNvPr id="5" name="Footer Placeholder 4">
             <a:extLst>
               <a:ext uri="{FF2B5EF4-FFF2-40B4-BE49-F238E27FC236}">
-                <a16:creationId xmlns="" xmlns:a16="http://schemas.microsoft.com/office/drawing/2014/main" id="{F11BCA1A-056B-4520-90CE-4D5535B2BA92}"/>
+                <a16:creationId xmlns:a16="http://schemas.microsoft.com/office/drawing/2014/main" xmlns="" id="{F11BCA1A-056B-4520-90CE-4D5535B2BA92}"/>
               </a:ext>
             </a:extLst>
           </p:cNvPr>
@@ -701,7 +701,7 @@
           <p:cNvPr id="6" name="Slide Number Placeholder 5">
             <a:extLst>
               <a:ext uri="{FF2B5EF4-FFF2-40B4-BE49-F238E27FC236}">
-                <a16:creationId xmlns="" xmlns:a16="http://schemas.microsoft.com/office/drawing/2014/main" id="{6E495069-DDD7-4C78-A5AF-1237D5186078}"/>
+                <a16:creationId xmlns:a16="http://schemas.microsoft.com/office/drawing/2014/main" xmlns="" id="{6E495069-DDD7-4C78-A5AF-1237D5186078}"/>
               </a:ext>
             </a:extLst>
           </p:cNvPr>
@@ -760,7 +760,7 @@
           <p:cNvPr id="2" name="Title 1">
             <a:extLst>
               <a:ext uri="{FF2B5EF4-FFF2-40B4-BE49-F238E27FC236}">
-                <a16:creationId xmlns="" xmlns:a16="http://schemas.microsoft.com/office/drawing/2014/main" id="{40EAFB14-2854-4424-B7CE-63A5F234DB0C}"/>
+                <a16:creationId xmlns:a16="http://schemas.microsoft.com/office/drawing/2014/main" xmlns="" id="{40EAFB14-2854-4424-B7CE-63A5F234DB0C}"/>
               </a:ext>
             </a:extLst>
           </p:cNvPr>
@@ -788,7 +788,7 @@
           <p:cNvPr id="3" name="Content Placeholder 2">
             <a:extLst>
               <a:ext uri="{FF2B5EF4-FFF2-40B4-BE49-F238E27FC236}">
-                <a16:creationId xmlns="" xmlns:a16="http://schemas.microsoft.com/office/drawing/2014/main" id="{A57EA417-01CC-43F9-8035-42213154DB17}"/>
+                <a16:creationId xmlns:a16="http://schemas.microsoft.com/office/drawing/2014/main" xmlns="" id="{A57EA417-01CC-43F9-8035-42213154DB17}"/>
               </a:ext>
             </a:extLst>
           </p:cNvPr>
@@ -845,7 +845,7 @@
           <p:cNvPr id="4" name="Date Placeholder 3">
             <a:extLst>
               <a:ext uri="{FF2B5EF4-FFF2-40B4-BE49-F238E27FC236}">
-                <a16:creationId xmlns="" xmlns:a16="http://schemas.microsoft.com/office/drawing/2014/main" id="{47078199-BE09-4D24-8FE2-7BA993B6E794}"/>
+                <a16:creationId xmlns:a16="http://schemas.microsoft.com/office/drawing/2014/main" xmlns="" id="{47078199-BE09-4D24-8FE2-7BA993B6E794}"/>
               </a:ext>
             </a:extLst>
           </p:cNvPr>
@@ -874,7 +874,7 @@
           <p:cNvPr id="5" name="Footer Placeholder 4">
             <a:extLst>
               <a:ext uri="{FF2B5EF4-FFF2-40B4-BE49-F238E27FC236}">
-                <a16:creationId xmlns="" xmlns:a16="http://schemas.microsoft.com/office/drawing/2014/main" id="{535E63A2-369F-4CA9-AF65-8D1AED694FC4}"/>
+                <a16:creationId xmlns:a16="http://schemas.microsoft.com/office/drawing/2014/main" xmlns="" id="{535E63A2-369F-4CA9-AF65-8D1AED694FC4}"/>
               </a:ext>
             </a:extLst>
           </p:cNvPr>
@@ -899,7 +899,7 @@
           <p:cNvPr id="6" name="Slide Number Placeholder 5">
             <a:extLst>
               <a:ext uri="{FF2B5EF4-FFF2-40B4-BE49-F238E27FC236}">
-                <a16:creationId xmlns="" xmlns:a16="http://schemas.microsoft.com/office/drawing/2014/main" id="{70FEEDBB-E491-4C4B-A567-5529E4CB493D}"/>
+                <a16:creationId xmlns:a16="http://schemas.microsoft.com/office/drawing/2014/main" xmlns="" id="{70FEEDBB-E491-4C4B-A567-5529E4CB493D}"/>
               </a:ext>
             </a:extLst>
           </p:cNvPr>
@@ -958,7 +958,7 @@
           <p:cNvPr id="2" name="Title 1">
             <a:extLst>
               <a:ext uri="{FF2B5EF4-FFF2-40B4-BE49-F238E27FC236}">
-                <a16:creationId xmlns="" xmlns:a16="http://schemas.microsoft.com/office/drawing/2014/main" id="{B806BCBE-0D3F-4FDD-9008-C5B0059E82E5}"/>
+                <a16:creationId xmlns:a16="http://schemas.microsoft.com/office/drawing/2014/main" xmlns="" id="{B806BCBE-0D3F-4FDD-9008-C5B0059E82E5}"/>
               </a:ext>
             </a:extLst>
           </p:cNvPr>
@@ -995,7 +995,7 @@
           <p:cNvPr id="3" name="Text Placeholder 2">
             <a:extLst>
               <a:ext uri="{FF2B5EF4-FFF2-40B4-BE49-F238E27FC236}">
-                <a16:creationId xmlns="" xmlns:a16="http://schemas.microsoft.com/office/drawing/2014/main" id="{31AB63B1-C714-4E40-9533-E918089DAB9B}"/>
+                <a16:creationId xmlns:a16="http://schemas.microsoft.com/office/drawing/2014/main" xmlns="" id="{31AB63B1-C714-4E40-9533-E918089DAB9B}"/>
               </a:ext>
             </a:extLst>
           </p:cNvPr>
@@ -1120,7 +1120,7 @@
           <p:cNvPr id="4" name="Date Placeholder 3">
             <a:extLst>
               <a:ext uri="{FF2B5EF4-FFF2-40B4-BE49-F238E27FC236}">
-                <a16:creationId xmlns="" xmlns:a16="http://schemas.microsoft.com/office/drawing/2014/main" id="{1D085D5C-9930-44AD-86EC-9BE2957FA25E}"/>
+                <a16:creationId xmlns:a16="http://schemas.microsoft.com/office/drawing/2014/main" xmlns="" id="{1D085D5C-9930-44AD-86EC-9BE2957FA25E}"/>
               </a:ext>
             </a:extLst>
           </p:cNvPr>
@@ -1149,7 +1149,7 @@
           <p:cNvPr id="5" name="Footer Placeholder 4">
             <a:extLst>
               <a:ext uri="{FF2B5EF4-FFF2-40B4-BE49-F238E27FC236}">
-                <a16:creationId xmlns="" xmlns:a16="http://schemas.microsoft.com/office/drawing/2014/main" id="{A05CB98E-CC69-4067-9140-1D36CD1E284D}"/>
+                <a16:creationId xmlns:a16="http://schemas.microsoft.com/office/drawing/2014/main" xmlns="" id="{A05CB98E-CC69-4067-9140-1D36CD1E284D}"/>
               </a:ext>
             </a:extLst>
           </p:cNvPr>
@@ -1174,7 +1174,7 @@
           <p:cNvPr id="6" name="Slide Number Placeholder 5">
             <a:extLst>
               <a:ext uri="{FF2B5EF4-FFF2-40B4-BE49-F238E27FC236}">
-                <a16:creationId xmlns="" xmlns:a16="http://schemas.microsoft.com/office/drawing/2014/main" id="{0FCDDC1C-9C7D-49F5-8AD1-AEB1D94C0102}"/>
+                <a16:creationId xmlns:a16="http://schemas.microsoft.com/office/drawing/2014/main" xmlns="" id="{0FCDDC1C-9C7D-49F5-8AD1-AEB1D94C0102}"/>
               </a:ext>
             </a:extLst>
           </p:cNvPr>
@@ -1233,7 +1233,7 @@
           <p:cNvPr id="2" name="Title 1">
             <a:extLst>
               <a:ext uri="{FF2B5EF4-FFF2-40B4-BE49-F238E27FC236}">
-                <a16:creationId xmlns="" xmlns:a16="http://schemas.microsoft.com/office/drawing/2014/main" id="{6419E421-6B5E-4D5B-AAAC-864459D1BE45}"/>
+                <a16:creationId xmlns:a16="http://schemas.microsoft.com/office/drawing/2014/main" xmlns="" id="{6419E421-6B5E-4D5B-AAAC-864459D1BE45}"/>
               </a:ext>
             </a:extLst>
           </p:cNvPr>
@@ -1261,7 +1261,7 @@
           <p:cNvPr id="3" name="Content Placeholder 2">
             <a:extLst>
               <a:ext uri="{FF2B5EF4-FFF2-40B4-BE49-F238E27FC236}">
-                <a16:creationId xmlns="" xmlns:a16="http://schemas.microsoft.com/office/drawing/2014/main" id="{B0E8880C-E877-4CC9-9DB5-43DD2B78045E}"/>
+                <a16:creationId xmlns:a16="http://schemas.microsoft.com/office/drawing/2014/main" xmlns="" id="{B0E8880C-E877-4CC9-9DB5-43DD2B78045E}"/>
               </a:ext>
             </a:extLst>
           </p:cNvPr>
@@ -1323,7 +1323,7 @@
           <p:cNvPr id="4" name="Content Placeholder 3">
             <a:extLst>
               <a:ext uri="{FF2B5EF4-FFF2-40B4-BE49-F238E27FC236}">
-                <a16:creationId xmlns="" xmlns:a16="http://schemas.microsoft.com/office/drawing/2014/main" id="{5B3AD38D-622F-4753-906E-6E8570A56C34}"/>
+                <a16:creationId xmlns:a16="http://schemas.microsoft.com/office/drawing/2014/main" xmlns="" id="{5B3AD38D-622F-4753-906E-6E8570A56C34}"/>
               </a:ext>
             </a:extLst>
           </p:cNvPr>
@@ -1385,7 +1385,7 @@
           <p:cNvPr id="5" name="Date Placeholder 4">
             <a:extLst>
               <a:ext uri="{FF2B5EF4-FFF2-40B4-BE49-F238E27FC236}">
-                <a16:creationId xmlns="" xmlns:a16="http://schemas.microsoft.com/office/drawing/2014/main" id="{DB8F753D-794E-4E5F-ACB8-3C636EE94978}"/>
+                <a16:creationId xmlns:a16="http://schemas.microsoft.com/office/drawing/2014/main" xmlns="" id="{DB8F753D-794E-4E5F-ACB8-3C636EE94978}"/>
               </a:ext>
             </a:extLst>
           </p:cNvPr>
@@ -1414,7 +1414,7 @@
           <p:cNvPr id="6" name="Footer Placeholder 5">
             <a:extLst>
               <a:ext uri="{FF2B5EF4-FFF2-40B4-BE49-F238E27FC236}">
-                <a16:creationId xmlns="" xmlns:a16="http://schemas.microsoft.com/office/drawing/2014/main" id="{18F8C13E-5DE1-48A9-B40E-7F952955BFAC}"/>
+                <a16:creationId xmlns:a16="http://schemas.microsoft.com/office/drawing/2014/main" xmlns="" id="{18F8C13E-5DE1-48A9-B40E-7F952955BFAC}"/>
               </a:ext>
             </a:extLst>
           </p:cNvPr>
@@ -1439,7 +1439,7 @@
           <p:cNvPr id="7" name="Slide Number Placeholder 6">
             <a:extLst>
               <a:ext uri="{FF2B5EF4-FFF2-40B4-BE49-F238E27FC236}">
-                <a16:creationId xmlns="" xmlns:a16="http://schemas.microsoft.com/office/drawing/2014/main" id="{74C9BFBD-1A48-4A71-B61D-9B75696A83B3}"/>
+                <a16:creationId xmlns:a16="http://schemas.microsoft.com/office/drawing/2014/main" xmlns="" id="{74C9BFBD-1A48-4A71-B61D-9B75696A83B3}"/>
               </a:ext>
             </a:extLst>
           </p:cNvPr>
@@ -1498,7 +1498,7 @@
           <p:cNvPr id="2" name="Title 1">
             <a:extLst>
               <a:ext uri="{FF2B5EF4-FFF2-40B4-BE49-F238E27FC236}">
-                <a16:creationId xmlns="" xmlns:a16="http://schemas.microsoft.com/office/drawing/2014/main" id="{C8822CEB-F403-4D21-B342-24F126072B68}"/>
+                <a16:creationId xmlns:a16="http://schemas.microsoft.com/office/drawing/2014/main" xmlns="" id="{C8822CEB-F403-4D21-B342-24F126072B68}"/>
               </a:ext>
             </a:extLst>
           </p:cNvPr>
@@ -1531,7 +1531,7 @@
           <p:cNvPr id="3" name="Text Placeholder 2">
             <a:extLst>
               <a:ext uri="{FF2B5EF4-FFF2-40B4-BE49-F238E27FC236}">
-                <a16:creationId xmlns="" xmlns:a16="http://schemas.microsoft.com/office/drawing/2014/main" id="{9DAAC42D-98DB-404E-B7C0-CC80C53D9962}"/>
+                <a16:creationId xmlns:a16="http://schemas.microsoft.com/office/drawing/2014/main" xmlns="" id="{9DAAC42D-98DB-404E-B7C0-CC80C53D9962}"/>
               </a:ext>
             </a:extLst>
           </p:cNvPr>
@@ -1602,7 +1602,7 @@
           <p:cNvPr id="4" name="Content Placeholder 3">
             <a:extLst>
               <a:ext uri="{FF2B5EF4-FFF2-40B4-BE49-F238E27FC236}">
-                <a16:creationId xmlns="" xmlns:a16="http://schemas.microsoft.com/office/drawing/2014/main" id="{BF9F2858-ACBA-4DA3-BC4B-1BCC3E0A6D36}"/>
+                <a16:creationId xmlns:a16="http://schemas.microsoft.com/office/drawing/2014/main" xmlns="" id="{BF9F2858-ACBA-4DA3-BC4B-1BCC3E0A6D36}"/>
               </a:ext>
             </a:extLst>
           </p:cNvPr>
@@ -1664,7 +1664,7 @@
           <p:cNvPr id="5" name="Text Placeholder 4">
             <a:extLst>
               <a:ext uri="{FF2B5EF4-FFF2-40B4-BE49-F238E27FC236}">
-                <a16:creationId xmlns="" xmlns:a16="http://schemas.microsoft.com/office/drawing/2014/main" id="{BA0B896E-FD18-4F16-B09D-9A6F2C3C4C65}"/>
+                <a16:creationId xmlns:a16="http://schemas.microsoft.com/office/drawing/2014/main" xmlns="" id="{BA0B896E-FD18-4F16-B09D-9A6F2C3C4C65}"/>
               </a:ext>
             </a:extLst>
           </p:cNvPr>
@@ -1735,7 +1735,7 @@
           <p:cNvPr id="6" name="Content Placeholder 5">
             <a:extLst>
               <a:ext uri="{FF2B5EF4-FFF2-40B4-BE49-F238E27FC236}">
-                <a16:creationId xmlns="" xmlns:a16="http://schemas.microsoft.com/office/drawing/2014/main" id="{7F6B586C-3F59-4411-964B-B0F64DBBE20C}"/>
+                <a16:creationId xmlns:a16="http://schemas.microsoft.com/office/drawing/2014/main" xmlns="" id="{7F6B586C-3F59-4411-964B-B0F64DBBE20C}"/>
               </a:ext>
             </a:extLst>
           </p:cNvPr>
@@ -1797,7 +1797,7 @@
           <p:cNvPr id="7" name="Date Placeholder 6">
             <a:extLst>
               <a:ext uri="{FF2B5EF4-FFF2-40B4-BE49-F238E27FC236}">
-                <a16:creationId xmlns="" xmlns:a16="http://schemas.microsoft.com/office/drawing/2014/main" id="{2E819E27-B855-44B3-A949-E2418531E1E0}"/>
+                <a16:creationId xmlns:a16="http://schemas.microsoft.com/office/drawing/2014/main" xmlns="" id="{2E819E27-B855-44B3-A949-E2418531E1E0}"/>
               </a:ext>
             </a:extLst>
           </p:cNvPr>
@@ -1826,7 +1826,7 @@
           <p:cNvPr id="8" name="Footer Placeholder 7">
             <a:extLst>
               <a:ext uri="{FF2B5EF4-FFF2-40B4-BE49-F238E27FC236}">
-                <a16:creationId xmlns="" xmlns:a16="http://schemas.microsoft.com/office/drawing/2014/main" id="{FEF3E3CB-192B-4358-9825-B99248FAF1EF}"/>
+                <a16:creationId xmlns:a16="http://schemas.microsoft.com/office/drawing/2014/main" xmlns="" id="{FEF3E3CB-192B-4358-9825-B99248FAF1EF}"/>
               </a:ext>
             </a:extLst>
           </p:cNvPr>
@@ -1851,7 +1851,7 @@
           <p:cNvPr id="9" name="Slide Number Placeholder 8">
             <a:extLst>
               <a:ext uri="{FF2B5EF4-FFF2-40B4-BE49-F238E27FC236}">
-                <a16:creationId xmlns="" xmlns:a16="http://schemas.microsoft.com/office/drawing/2014/main" id="{844E9845-6C1E-49D1-8A01-DB72AF105C2C}"/>
+                <a16:creationId xmlns:a16="http://schemas.microsoft.com/office/drawing/2014/main" xmlns="" id="{844E9845-6C1E-49D1-8A01-DB72AF105C2C}"/>
               </a:ext>
             </a:extLst>
           </p:cNvPr>
@@ -1910,7 +1910,7 @@
           <p:cNvPr id="2" name="Title 1">
             <a:extLst>
               <a:ext uri="{FF2B5EF4-FFF2-40B4-BE49-F238E27FC236}">
-                <a16:creationId xmlns="" xmlns:a16="http://schemas.microsoft.com/office/drawing/2014/main" id="{29B161E7-DB79-4CC1-BD93-B17188A94242}"/>
+                <a16:creationId xmlns:a16="http://schemas.microsoft.com/office/drawing/2014/main" xmlns="" id="{29B161E7-DB79-4CC1-BD93-B17188A94242}"/>
               </a:ext>
             </a:extLst>
           </p:cNvPr>
@@ -1938,7 +1938,7 @@
           <p:cNvPr id="3" name="Date Placeholder 2">
             <a:extLst>
               <a:ext uri="{FF2B5EF4-FFF2-40B4-BE49-F238E27FC236}">
-                <a16:creationId xmlns="" xmlns:a16="http://schemas.microsoft.com/office/drawing/2014/main" id="{21437F2D-A472-4CEF-AAE5-600CD01F1E13}"/>
+                <a16:creationId xmlns:a16="http://schemas.microsoft.com/office/drawing/2014/main" xmlns="" id="{21437F2D-A472-4CEF-AAE5-600CD01F1E13}"/>
               </a:ext>
             </a:extLst>
           </p:cNvPr>
@@ -1967,7 +1967,7 @@
           <p:cNvPr id="4" name="Footer Placeholder 3">
             <a:extLst>
               <a:ext uri="{FF2B5EF4-FFF2-40B4-BE49-F238E27FC236}">
-                <a16:creationId xmlns="" xmlns:a16="http://schemas.microsoft.com/office/drawing/2014/main" id="{C5593B16-FC1E-413D-9AF3-2AF385AE87BB}"/>
+                <a16:creationId xmlns:a16="http://schemas.microsoft.com/office/drawing/2014/main" xmlns="" id="{C5593B16-FC1E-413D-9AF3-2AF385AE87BB}"/>
               </a:ext>
             </a:extLst>
           </p:cNvPr>
@@ -1992,7 +1992,7 @@
           <p:cNvPr id="5" name="Slide Number Placeholder 4">
             <a:extLst>
               <a:ext uri="{FF2B5EF4-FFF2-40B4-BE49-F238E27FC236}">
-                <a16:creationId xmlns="" xmlns:a16="http://schemas.microsoft.com/office/drawing/2014/main" id="{B27D3930-2518-4ECC-81B9-2A81EEB5CBD6}"/>
+                <a16:creationId xmlns:a16="http://schemas.microsoft.com/office/drawing/2014/main" xmlns="" id="{B27D3930-2518-4ECC-81B9-2A81EEB5CBD6}"/>
               </a:ext>
             </a:extLst>
           </p:cNvPr>
@@ -2051,7 +2051,7 @@
           <p:cNvPr id="2" name="Date Placeholder 1">
             <a:extLst>
               <a:ext uri="{FF2B5EF4-FFF2-40B4-BE49-F238E27FC236}">
-                <a16:creationId xmlns="" xmlns:a16="http://schemas.microsoft.com/office/drawing/2014/main" id="{E1C8154A-C121-4258-924B-764C5F101F79}"/>
+                <a16:creationId xmlns:a16="http://schemas.microsoft.com/office/drawing/2014/main" xmlns="" id="{E1C8154A-C121-4258-924B-764C5F101F79}"/>
               </a:ext>
             </a:extLst>
           </p:cNvPr>
@@ -2080,7 +2080,7 @@
           <p:cNvPr id="3" name="Footer Placeholder 2">
             <a:extLst>
               <a:ext uri="{FF2B5EF4-FFF2-40B4-BE49-F238E27FC236}">
-                <a16:creationId xmlns="" xmlns:a16="http://schemas.microsoft.com/office/drawing/2014/main" id="{AAF7CFCD-E6A4-4818-B771-D989C62A9083}"/>
+                <a16:creationId xmlns:a16="http://schemas.microsoft.com/office/drawing/2014/main" xmlns="" id="{AAF7CFCD-E6A4-4818-B771-D989C62A9083}"/>
               </a:ext>
             </a:extLst>
           </p:cNvPr>
@@ -2105,7 +2105,7 @@
           <p:cNvPr id="4" name="Slide Number Placeholder 3">
             <a:extLst>
               <a:ext uri="{FF2B5EF4-FFF2-40B4-BE49-F238E27FC236}">
-                <a16:creationId xmlns="" xmlns:a16="http://schemas.microsoft.com/office/drawing/2014/main" id="{29A418C9-A5C2-463E-9BA3-B67AA4DB497F}"/>
+                <a16:creationId xmlns:a16="http://schemas.microsoft.com/office/drawing/2014/main" xmlns="" id="{29A418C9-A5C2-463E-9BA3-B67AA4DB497F}"/>
               </a:ext>
             </a:extLst>
           </p:cNvPr>
@@ -2164,7 +2164,7 @@
           <p:cNvPr id="2" name="Title 1">
             <a:extLst>
               <a:ext uri="{FF2B5EF4-FFF2-40B4-BE49-F238E27FC236}">
-                <a16:creationId xmlns="" xmlns:a16="http://schemas.microsoft.com/office/drawing/2014/main" id="{BE19C12E-38B5-450F-8394-AB6783A2C56A}"/>
+                <a16:creationId xmlns:a16="http://schemas.microsoft.com/office/drawing/2014/main" xmlns="" id="{BE19C12E-38B5-450F-8394-AB6783A2C56A}"/>
               </a:ext>
             </a:extLst>
           </p:cNvPr>
@@ -2201,7 +2201,7 @@
           <p:cNvPr id="3" name="Content Placeholder 2">
             <a:extLst>
               <a:ext uri="{FF2B5EF4-FFF2-40B4-BE49-F238E27FC236}">
-                <a16:creationId xmlns="" xmlns:a16="http://schemas.microsoft.com/office/drawing/2014/main" id="{0E958DBD-4865-4284-A8DD-4DF0F9F35B7E}"/>
+                <a16:creationId xmlns:a16="http://schemas.microsoft.com/office/drawing/2014/main" xmlns="" id="{0E958DBD-4865-4284-A8DD-4DF0F9F35B7E}"/>
               </a:ext>
             </a:extLst>
           </p:cNvPr>
@@ -2291,7 +2291,7 @@
           <p:cNvPr id="4" name="Text Placeholder 3">
             <a:extLst>
               <a:ext uri="{FF2B5EF4-FFF2-40B4-BE49-F238E27FC236}">
-                <a16:creationId xmlns="" xmlns:a16="http://schemas.microsoft.com/office/drawing/2014/main" id="{FFC2EFF5-5C88-4D43-A86B-4EDB9CD1B2F4}"/>
+                <a16:creationId xmlns:a16="http://schemas.microsoft.com/office/drawing/2014/main" xmlns="" id="{FFC2EFF5-5C88-4D43-A86B-4EDB9CD1B2F4}"/>
               </a:ext>
             </a:extLst>
           </p:cNvPr>
@@ -2362,7 +2362,7 @@
           <p:cNvPr id="5" name="Date Placeholder 4">
             <a:extLst>
               <a:ext uri="{FF2B5EF4-FFF2-40B4-BE49-F238E27FC236}">
-                <a16:creationId xmlns="" xmlns:a16="http://schemas.microsoft.com/office/drawing/2014/main" id="{CFB57A63-D70B-48AF-A784-E375E7B6C3F4}"/>
+                <a16:creationId xmlns:a16="http://schemas.microsoft.com/office/drawing/2014/main" xmlns="" id="{CFB57A63-D70B-48AF-A784-E375E7B6C3F4}"/>
               </a:ext>
             </a:extLst>
           </p:cNvPr>
@@ -2391,7 +2391,7 @@
           <p:cNvPr id="6" name="Footer Placeholder 5">
             <a:extLst>
               <a:ext uri="{FF2B5EF4-FFF2-40B4-BE49-F238E27FC236}">
-                <a16:creationId xmlns="" xmlns:a16="http://schemas.microsoft.com/office/drawing/2014/main" id="{CB5FAA5A-31F0-4E27-99CC-F42C1EE65185}"/>
+                <a16:creationId xmlns:a16="http://schemas.microsoft.com/office/drawing/2014/main" xmlns="" id="{CB5FAA5A-31F0-4E27-99CC-F42C1EE65185}"/>
               </a:ext>
             </a:extLst>
           </p:cNvPr>
@@ -2416,7 +2416,7 @@
           <p:cNvPr id="7" name="Slide Number Placeholder 6">
             <a:extLst>
               <a:ext uri="{FF2B5EF4-FFF2-40B4-BE49-F238E27FC236}">
-                <a16:creationId xmlns="" xmlns:a16="http://schemas.microsoft.com/office/drawing/2014/main" id="{17DA9F33-FF89-4CFE-B1CD-61139526374B}"/>
+                <a16:creationId xmlns:a16="http://schemas.microsoft.com/office/drawing/2014/main" xmlns="" id="{17DA9F33-FF89-4CFE-B1CD-61139526374B}"/>
               </a:ext>
             </a:extLst>
           </p:cNvPr>
@@ -2475,7 +2475,7 @@
           <p:cNvPr id="2" name="Title 1">
             <a:extLst>
               <a:ext uri="{FF2B5EF4-FFF2-40B4-BE49-F238E27FC236}">
-                <a16:creationId xmlns="" xmlns:a16="http://schemas.microsoft.com/office/drawing/2014/main" id="{DAF62274-AEEB-47F6-A0E7-C961BC3FA1E7}"/>
+                <a16:creationId xmlns:a16="http://schemas.microsoft.com/office/drawing/2014/main" xmlns="" id="{DAF62274-AEEB-47F6-A0E7-C961BC3FA1E7}"/>
               </a:ext>
             </a:extLst>
           </p:cNvPr>
@@ -2512,7 +2512,7 @@
           <p:cNvPr id="3" name="Picture Placeholder 2">
             <a:extLst>
               <a:ext uri="{FF2B5EF4-FFF2-40B4-BE49-F238E27FC236}">
-                <a16:creationId xmlns="" xmlns:a16="http://schemas.microsoft.com/office/drawing/2014/main" id="{1DFE01A9-4CAE-4BB7-96A8-EEB070185F15}"/>
+                <a16:creationId xmlns:a16="http://schemas.microsoft.com/office/drawing/2014/main" xmlns="" id="{1DFE01A9-4CAE-4BB7-96A8-EEB070185F15}"/>
               </a:ext>
             </a:extLst>
           </p:cNvPr>
@@ -2579,7 +2579,7 @@
           <p:cNvPr id="4" name="Text Placeholder 3">
             <a:extLst>
               <a:ext uri="{FF2B5EF4-FFF2-40B4-BE49-F238E27FC236}">
-                <a16:creationId xmlns="" xmlns:a16="http://schemas.microsoft.com/office/drawing/2014/main" id="{7ECA5B72-3D40-4A2D-A263-FC4CC572D9C5}"/>
+                <a16:creationId xmlns:a16="http://schemas.microsoft.com/office/drawing/2014/main" xmlns="" id="{7ECA5B72-3D40-4A2D-A263-FC4CC572D9C5}"/>
               </a:ext>
             </a:extLst>
           </p:cNvPr>
@@ -2650,7 +2650,7 @@
           <p:cNvPr id="5" name="Date Placeholder 4">
             <a:extLst>
               <a:ext uri="{FF2B5EF4-FFF2-40B4-BE49-F238E27FC236}">
-                <a16:creationId xmlns="" xmlns:a16="http://schemas.microsoft.com/office/drawing/2014/main" id="{6480DFD4-D047-424D-99E9-AFCCF6664292}"/>
+                <a16:creationId xmlns:a16="http://schemas.microsoft.com/office/drawing/2014/main" xmlns="" id="{6480DFD4-D047-424D-99E9-AFCCF6664292}"/>
               </a:ext>
             </a:extLst>
           </p:cNvPr>
@@ -2679,7 +2679,7 @@
           <p:cNvPr id="6" name="Footer Placeholder 5">
             <a:extLst>
               <a:ext uri="{FF2B5EF4-FFF2-40B4-BE49-F238E27FC236}">
-                <a16:creationId xmlns="" xmlns:a16="http://schemas.microsoft.com/office/drawing/2014/main" id="{BDC70564-3623-46A5-829C-BB2F930F57F5}"/>
+                <a16:creationId xmlns:a16="http://schemas.microsoft.com/office/drawing/2014/main" xmlns="" id="{BDC70564-3623-46A5-829C-BB2F930F57F5}"/>
               </a:ext>
             </a:extLst>
           </p:cNvPr>
@@ -2704,7 +2704,7 @@
           <p:cNvPr id="7" name="Slide Number Placeholder 6">
             <a:extLst>
               <a:ext uri="{FF2B5EF4-FFF2-40B4-BE49-F238E27FC236}">
-                <a16:creationId xmlns="" xmlns:a16="http://schemas.microsoft.com/office/drawing/2014/main" id="{99DBE326-DC3C-4101-9C49-BCAFF9036F50}"/>
+                <a16:creationId xmlns:a16="http://schemas.microsoft.com/office/drawing/2014/main" xmlns="" id="{99DBE326-DC3C-4101-9C49-BCAFF9036F50}"/>
               </a:ext>
             </a:extLst>
           </p:cNvPr>
@@ -2768,7 +2768,7 @@
           <p:cNvPr id="2" name="Title Placeholder 1">
             <a:extLst>
               <a:ext uri="{FF2B5EF4-FFF2-40B4-BE49-F238E27FC236}">
-                <a16:creationId xmlns="" xmlns:a16="http://schemas.microsoft.com/office/drawing/2014/main" id="{A14E1F26-0083-4453-B8CF-987C0BBB26EB}"/>
+                <a16:creationId xmlns:a16="http://schemas.microsoft.com/office/drawing/2014/main" xmlns="" id="{A14E1F26-0083-4453-B8CF-987C0BBB26EB}"/>
               </a:ext>
             </a:extLst>
           </p:cNvPr>
@@ -2806,7 +2806,7 @@
           <p:cNvPr id="3" name="Text Placeholder 2">
             <a:extLst>
               <a:ext uri="{FF2B5EF4-FFF2-40B4-BE49-F238E27FC236}">
-                <a16:creationId xmlns="" xmlns:a16="http://schemas.microsoft.com/office/drawing/2014/main" id="{8D4E4141-A404-4429-9D61-C377AFCB664E}"/>
+                <a16:creationId xmlns:a16="http://schemas.microsoft.com/office/drawing/2014/main" xmlns="" id="{8D4E4141-A404-4429-9D61-C377AFCB664E}"/>
               </a:ext>
             </a:extLst>
           </p:cNvPr>
@@ -2873,7 +2873,7 @@
           <p:cNvPr id="4" name="Date Placeholder 3">
             <a:extLst>
               <a:ext uri="{FF2B5EF4-FFF2-40B4-BE49-F238E27FC236}">
-                <a16:creationId xmlns="" xmlns:a16="http://schemas.microsoft.com/office/drawing/2014/main" id="{CD225401-7BC0-47A2-905A-4AEB1400B019}"/>
+                <a16:creationId xmlns:a16="http://schemas.microsoft.com/office/drawing/2014/main" xmlns="" id="{CD225401-7BC0-47A2-905A-4AEB1400B019}"/>
               </a:ext>
             </a:extLst>
           </p:cNvPr>
@@ -2920,7 +2920,7 @@
           <p:cNvPr id="5" name="Footer Placeholder 4">
             <a:extLst>
               <a:ext uri="{FF2B5EF4-FFF2-40B4-BE49-F238E27FC236}">
-                <a16:creationId xmlns="" xmlns:a16="http://schemas.microsoft.com/office/drawing/2014/main" id="{DC739EF6-96FC-47B4-9D53-11FFB72BC8D9}"/>
+                <a16:creationId xmlns:a16="http://schemas.microsoft.com/office/drawing/2014/main" xmlns="" id="{DC739EF6-96FC-47B4-9D53-11FFB72BC8D9}"/>
               </a:ext>
             </a:extLst>
           </p:cNvPr>
@@ -2963,7 +2963,7 @@
           <p:cNvPr id="6" name="Slide Number Placeholder 5">
             <a:extLst>
               <a:ext uri="{FF2B5EF4-FFF2-40B4-BE49-F238E27FC236}">
-                <a16:creationId xmlns="" xmlns:a16="http://schemas.microsoft.com/office/drawing/2014/main" id="{1DD9913A-96EC-4E3F-A379-773065F09137}"/>
+                <a16:creationId xmlns:a16="http://schemas.microsoft.com/office/drawing/2014/main" xmlns="" id="{1DD9913A-96EC-4E3F-A379-773065F09137}"/>
               </a:ext>
             </a:extLst>
           </p:cNvPr>
@@ -3345,7 +3345,7 @@
             <p:cNvPr id="7" name="Picture 6">
               <a:extLst>
                 <a:ext uri="{FF2B5EF4-FFF2-40B4-BE49-F238E27FC236}">
-                  <a16:creationId xmlns="" xmlns:a16="http://schemas.microsoft.com/office/drawing/2014/main" id="{08DEE117-71A7-420B-AA51-2EA25B9EE134}"/>
+                  <a16:creationId xmlns:a16="http://schemas.microsoft.com/office/drawing/2014/main" xmlns="" id="{08DEE117-71A7-420B-AA51-2EA25B9EE134}"/>
                 </a:ext>
               </a:extLst>
             </p:cNvPr>
@@ -3387,7 +3387,7 @@
             <p:cNvPr id="26" name="Picture 25">
               <a:extLst>
                 <a:ext uri="{FF2B5EF4-FFF2-40B4-BE49-F238E27FC236}">
-                  <a16:creationId xmlns="" xmlns:a16="http://schemas.microsoft.com/office/drawing/2014/main" id="{C7DB021D-5AC2-408F-9EDA-977EA8688336}"/>
+                  <a16:creationId xmlns:a16="http://schemas.microsoft.com/office/drawing/2014/main" xmlns="" id="{C7DB021D-5AC2-408F-9EDA-977EA8688336}"/>
                 </a:ext>
               </a:extLst>
             </p:cNvPr>
@@ -4311,11 +4311,6 @@
                 </a:rPr>
                 <a:t>Historian </a:t>
               </a:r>
-              <a:endParaRPr lang="en-US" smtClean="0">
-                <a:latin typeface="Times New Roman" charset="0"/>
-                <a:ea typeface="Times New Roman" charset="0"/>
-                <a:cs typeface="Times New Roman" charset="0"/>
-              </a:endParaRPr>
             </a:p>
             <a:p>
               <a:pPr algn="ctr"/>
@@ -4459,14 +4454,6 @@
                 </a:rPr>
                 <a:t>-OPC Bridge</a:t>
               </a:r>
-              <a:endParaRPr lang="en-US" dirty="0" smtClean="0">
-                <a:solidFill>
-                  <a:srgbClr val="1D4999"/>
-                </a:solidFill>
-                <a:latin typeface="Times New Roman" charset="0"/>
-                <a:ea typeface="Times New Roman" charset="0"/>
-                <a:cs typeface="Times New Roman" charset="0"/>
-              </a:endParaRPr>
             </a:p>
           </p:txBody>
         </p:sp>
